--- a/2. Spring 5.0/Day 6/Slides/2. Spring, the Java Persistence API (JPA), and Hibernate/spring-the-java-persistence-api-jpa-and-hibernate-slides.pptx
+++ b/2. Spring 5.0/Day 6/Slides/2. Spring, the Java Persistence API (JPA), and Hibernate/spring-the-java-persistence-api-jpa-and-hibernate-slides.pptx
@@ -1740,7 +1740,7 @@
         <p:spPr>
           <a:xfrm>
             <a:off x="381000" y="1828800"/>
-            <a:ext cx="8098790" cy="936625"/>
+            <a:ext cx="8305800" cy="936625"/>
           </a:xfrm>
           <a:prstGeom prst="rect">
             <a:avLst/>
